--- a/01-Presentation/MS-Ireland-Presentation__Infrastructure-Security-Using-Azure-Devops__Arindam-Mitra.pptx
+++ b/01-Presentation/MS-Ireland-Presentation__Infrastructure-Security-Using-Azure-Devops__Arindam-Mitra.pptx
@@ -30,28 +30,28 @@
   <p:notesSz cx="6858000" cy="9144000"/>
   <p:embeddedFontLst>
     <p:embeddedFont>
-      <p:font typeface="Arvo" panose="020B0604020202020204" charset="0"/>
+      <p:font typeface="Roboto Condensed Light" panose="020B0604020202020204" charset="0"/>
       <p:regular r:id="rId20"/>
       <p:bold r:id="rId21"/>
       <p:italic r:id="rId22"/>
       <p:boldItalic r:id="rId23"/>
     </p:embeddedFont>
     <p:embeddedFont>
-      <p:font typeface="Roboto Condensed" panose="020B0604020202020204" charset="0"/>
+      <p:font typeface="Arvo" panose="020B0604020202020204" charset="0"/>
       <p:regular r:id="rId24"/>
       <p:bold r:id="rId25"/>
       <p:italic r:id="rId26"/>
       <p:boldItalic r:id="rId27"/>
     </p:embeddedFont>
     <p:embeddedFont>
-      <p:font typeface="Calibri" panose="020F0502020204030204" pitchFamily="34" charset="0"/>
+      <p:font typeface="Roboto Condensed" panose="020B0604020202020204" charset="0"/>
       <p:regular r:id="rId28"/>
       <p:bold r:id="rId29"/>
       <p:italic r:id="rId30"/>
       <p:boldItalic r:id="rId31"/>
     </p:embeddedFont>
     <p:embeddedFont>
-      <p:font typeface="Roboto Condensed Light" panose="020B0604020202020204" charset="0"/>
+      <p:font typeface="Calibri" panose="020F0502020204030204" pitchFamily="34" charset="0"/>
       <p:regular r:id="rId32"/>
       <p:bold r:id="rId33"/>
       <p:italic r:id="rId34"/>
@@ -10388,7 +10388,7 @@
         <p:spPr>
           <a:xfrm>
             <a:off x="340042" y="1451850"/>
-            <a:ext cx="4195041" cy="3292429"/>
+            <a:ext cx="4195041" cy="3691650"/>
           </a:xfrm>
           <a:prstGeom prst="rect">
             <a:avLst/>
@@ -10408,20 +10408,23 @@
               <a:buNone/>
             </a:pPr>
             <a:r>
-              <a:rPr lang="en-US" sz="1000" dirty="0" smtClean="0"/>
-              <a:t>Example  Codes and Blogs follows below –</a:t>
+              <a:rPr lang="en-US" sz="900" dirty="0" smtClean="0"/>
+              <a:t>Example  Codes and Blogs follows below </a:t>
             </a:r>
-          </a:p>
-          <a:p>
-            <a:pPr marL="704850" lvl="1" indent="-171450">
+            <a:r>
+              <a:rPr lang="en-US" sz="900" dirty="0" smtClean="0"/>
+              <a:t>–</a:t>
+            </a:r>
+          </a:p>
+          <a:p>
+            <a:pPr marL="76200" indent="0">
               <a:spcBef>
                 <a:spcPts val="0"/>
               </a:spcBef>
               <a:buSzPts val="2400"/>
-              <a:buFont typeface="Wingdings" panose="05000000000000000000" pitchFamily="2" charset="2"/>
-              <a:buChar char="ü"/>
+              <a:buNone/>
             </a:pPr>
-            <a:endParaRPr lang="en-US" sz="1000" dirty="0"/>
+            <a:endParaRPr lang="en-US" sz="900" dirty="0"/>
           </a:p>
           <a:p>
             <a:pPr marL="247650" lvl="0" indent="-171450">
@@ -10433,9 +10436,34 @@
               <a:buChar char="ü"/>
             </a:pPr>
             <a:r>
-              <a:rPr lang="en-US" sz="1000" dirty="0" smtClean="0"/>
-              <a:t>Per Service Security Matrix can be found at –</a:t>
+              <a:rPr lang="en-US" sz="900" dirty="0" smtClean="0"/>
+              <a:t>Per Service Security Matrix can be found at </a:t>
             </a:r>
+            <a:r>
+              <a:rPr lang="en-US" sz="900" dirty="0"/>
+              <a:t>– </a:t>
+            </a:r>
+            <a:r>
+              <a:rPr lang="en-US" sz="900" b="1" dirty="0">
+                <a:solidFill>
+                  <a:srgbClr val="7030A0"/>
+                </a:solidFill>
+              </a:rPr>
+              <a:t>https://github.com/arindam0310018/28-April-2023-DevOps__Microsoft-Ireland-Presentation__</a:t>
+            </a:r>
+            <a:r>
+              <a:rPr lang="en-US" sz="900" b="1" dirty="0" smtClean="0">
+                <a:solidFill>
+                  <a:srgbClr val="7030A0"/>
+                </a:solidFill>
+              </a:rPr>
+              <a:t>Azure-Infrastructure-Security/tree/main/02-Azure-Services-Infrastructure-Security-Matrix</a:t>
+            </a:r>
+            <a:endParaRPr lang="en-US" sz="900" b="1" dirty="0">
+              <a:solidFill>
+                <a:srgbClr val="7030A0"/>
+              </a:solidFill>
+            </a:endParaRPr>
           </a:p>
           <a:p>
             <a:pPr marL="247650" lvl="0" indent="-171450">
@@ -10446,7 +10474,7 @@
               <a:buFont typeface="Wingdings" panose="05000000000000000000" pitchFamily="2" charset="2"/>
               <a:buChar char="ü"/>
             </a:pPr>
-            <a:endParaRPr lang="en-US" sz="1000" dirty="0"/>
+            <a:endParaRPr lang="en-US" sz="900" dirty="0"/>
           </a:p>
           <a:p>
             <a:pPr marL="247650" lvl="0" indent="-171450">
@@ -10458,15 +10486,15 @@
               <a:buChar char="ü"/>
             </a:pPr>
             <a:r>
-              <a:rPr lang="en-US" sz="1000" dirty="0" smtClean="0"/>
+              <a:rPr lang="en-US" sz="900" dirty="0" smtClean="0"/>
               <a:t>Scan Docker Images in Azure Container Registry using Aquasec Trivy and </a:t>
             </a:r>
             <a:r>
-              <a:rPr lang="en-US" sz="1000" dirty="0"/>
+              <a:rPr lang="en-US" sz="900" dirty="0"/>
               <a:t>Azure Devops - </a:t>
             </a:r>
             <a:r>
-              <a:rPr lang="en-US" sz="1000" b="1" dirty="0">
+              <a:rPr lang="en-US" sz="900" b="1" dirty="0">
                 <a:solidFill>
                   <a:srgbClr val="7030A0"/>
                 </a:solidFill>
@@ -10474,10 +10502,9 @@
               <a:t>https://github.com/arindam0310018/04-Apr-2022-DevOps__Scan-Images-In-ACR-Using-Trivy</a:t>
             </a:r>
             <a:r>
-              <a:rPr lang="en-US" sz="1000" dirty="0"/>
+              <a:rPr lang="en-US" sz="900" dirty="0"/>
               <a:t> </a:t>
             </a:r>
-            <a:endParaRPr lang="en-US" sz="1000" dirty="0"/>
           </a:p>
           <a:p>
             <a:pPr marL="247650" lvl="0" indent="-171450">
@@ -10488,7 +10515,7 @@
               <a:buFont typeface="Wingdings" panose="05000000000000000000" pitchFamily="2" charset="2"/>
               <a:buChar char="ü"/>
             </a:pPr>
-            <a:endParaRPr lang="en-US" sz="1000" dirty="0"/>
+            <a:endParaRPr lang="en-US" sz="900" dirty="0"/>
           </a:p>
           <a:p>
             <a:pPr marL="247650" lvl="0" indent="-171450">
@@ -10500,15 +10527,15 @@
               <a:buChar char="ü"/>
             </a:pPr>
             <a:r>
-              <a:rPr lang="en-US" sz="1000" dirty="0" smtClean="0"/>
+              <a:rPr lang="en-US" sz="900" dirty="0" smtClean="0"/>
               <a:t>Rotate Storage Account Keys and </a:t>
             </a:r>
             <a:r>
-              <a:rPr lang="en-US" sz="1000" dirty="0"/>
+              <a:rPr lang="en-US" sz="900" dirty="0"/>
               <a:t>Store in Key Vault - </a:t>
             </a:r>
             <a:r>
-              <a:rPr lang="en-US" sz="1000" b="1" dirty="0">
+              <a:rPr lang="en-US" sz="900" b="1" dirty="0">
                 <a:solidFill>
                   <a:srgbClr val="7030A0"/>
                 </a:solidFill>
@@ -10516,7 +10543,7 @@
               <a:t>https://github.com/arindam0310018/29-Aug-2022-DevOps__</a:t>
             </a:r>
             <a:r>
-              <a:rPr lang="en-US" sz="1000" b="1" dirty="0" smtClean="0">
+              <a:rPr lang="en-US" sz="900" b="1" dirty="0" smtClean="0">
                 <a:solidFill>
                   <a:srgbClr val="7030A0"/>
                 </a:solidFill>
@@ -10533,7 +10560,7 @@
               <a:buFont typeface="Wingdings" panose="05000000000000000000" pitchFamily="2" charset="2"/>
               <a:buChar char="ü"/>
             </a:pPr>
-            <a:endParaRPr lang="en-US" sz="1000" b="1" dirty="0" smtClean="0">
+            <a:endParaRPr lang="en-US" sz="900" b="1" dirty="0" smtClean="0">
               <a:solidFill>
                 <a:srgbClr val="7030A0"/>
               </a:solidFill>
@@ -10549,22 +10576,17 @@
               <a:buChar char="ü"/>
             </a:pPr>
             <a:r>
-              <a:rPr lang="en-US" sz="1000" dirty="0" smtClean="0"/>
+              <a:rPr lang="en-US" sz="900" dirty="0" smtClean="0"/>
               <a:t>Azure Devops Branch Policy - </a:t>
             </a:r>
             <a:r>
-              <a:rPr lang="en-US" sz="1000" b="1" dirty="0">
+              <a:rPr lang="en-US" sz="900" b="1" dirty="0">
                 <a:solidFill>
                   <a:srgbClr val="7030A0"/>
                 </a:solidFill>
               </a:rPr>
               <a:t>https://github.com/arindam0310018/08-Apr-2022-DevOps__Power-Of-DevOps-CLI-And-REST-API</a:t>
             </a:r>
-            <a:endParaRPr lang="en-US" sz="1000" b="1" dirty="0">
-              <a:solidFill>
-                <a:srgbClr val="7030A0"/>
-              </a:solidFill>
-            </a:endParaRPr>
           </a:p>
           <a:p>
             <a:pPr marL="247650" lvl="0" indent="-171450">
@@ -10575,7 +10597,7 @@
               <a:buFont typeface="Wingdings" panose="05000000000000000000" pitchFamily="2" charset="2"/>
               <a:buChar char="ü"/>
             </a:pPr>
-            <a:endParaRPr lang="en-US" sz="1000" b="1" dirty="0" smtClean="0">
+            <a:endParaRPr lang="en-US" sz="900" b="1" dirty="0" smtClean="0">
               <a:solidFill>
                 <a:srgbClr val="7030A0"/>
               </a:solidFill>
@@ -10591,15 +10613,15 @@
               <a:buChar char="ü"/>
             </a:pPr>
             <a:r>
-              <a:rPr lang="en-US" sz="1000" dirty="0" smtClean="0"/>
+              <a:rPr lang="en-US" sz="900" dirty="0" smtClean="0"/>
               <a:t>Azure Devops </a:t>
             </a:r>
             <a:r>
-              <a:rPr lang="en-US" sz="1000" dirty="0"/>
+              <a:rPr lang="en-US" sz="900" dirty="0"/>
               <a:t>Best Practises - </a:t>
             </a:r>
             <a:r>
-              <a:rPr lang="en-US" sz="1000" b="1" dirty="0">
+              <a:rPr lang="en-US" sz="900" b="1" dirty="0">
                 <a:solidFill>
                   <a:srgbClr val="7030A0"/>
                 </a:solidFill>
@@ -10607,7 +10629,7 @@
               <a:t>https://github.com/arindam0310018/13-Oct-2022-DevOps__</a:t>
             </a:r>
             <a:r>
-              <a:rPr lang="en-US" sz="1000" b="1" dirty="0" smtClean="0">
+              <a:rPr lang="en-US" sz="900" b="1" dirty="0" smtClean="0">
                 <a:solidFill>
                   <a:srgbClr val="7030A0"/>
                 </a:solidFill>
@@ -10624,7 +10646,7 @@
               <a:buFont typeface="Wingdings" panose="05000000000000000000" pitchFamily="2" charset="2"/>
               <a:buChar char="ü"/>
             </a:pPr>
-            <a:endParaRPr lang="en-US" sz="1000" b="1" dirty="0">
+            <a:endParaRPr lang="en-US" sz="900" b="1" dirty="0">
               <a:solidFill>
                 <a:srgbClr val="7030A0"/>
               </a:solidFill>
@@ -10640,10 +10662,30 @@
               <a:buChar char="ü"/>
             </a:pPr>
             <a:r>
-              <a:rPr lang="en-US" sz="1000" dirty="0" smtClean="0"/>
-              <a:t>Management of Azure Devops - </a:t>
+              <a:rPr lang="en-US" sz="900" dirty="0" smtClean="0"/>
+              <a:t>Devops Project Access Management </a:t>
             </a:r>
-            <a:endParaRPr lang="en-US" sz="1000" b="1" dirty="0">
+            <a:r>
+              <a:rPr lang="en-US" sz="900" dirty="0" smtClean="0"/>
+              <a:t>- </a:t>
+            </a:r>
+            <a:r>
+              <a:rPr lang="en-US" sz="900" b="1" dirty="0">
+                <a:solidFill>
+                  <a:srgbClr val="7030A0"/>
+                </a:solidFill>
+              </a:rPr>
+              <a:t>https://github.com/arindam0310018/28-April-2023-DevOps__Microsoft-Ireland-Presentation__</a:t>
+            </a:r>
+            <a:r>
+              <a:rPr lang="en-US" sz="900" b="1" dirty="0" smtClean="0">
+                <a:solidFill>
+                  <a:srgbClr val="7030A0"/>
+                </a:solidFill>
+              </a:rPr>
+              <a:t>Azure-Infrastructure-Security/tree/main/03-Devops-Project-Access-Management </a:t>
+            </a:r>
+            <a:endParaRPr lang="en-US" sz="900" b="1" dirty="0">
               <a:solidFill>
                 <a:srgbClr val="7030A0"/>
               </a:solidFill>
@@ -13926,11 +13968,7 @@
             </a:r>
             <a:r>
               <a:rPr lang="en" sz="1800" dirty="0" smtClean="0"/>
-              <a:t>for providing </a:t>
-            </a:r>
-            <a:r>
-              <a:rPr lang="en" sz="1800" dirty="0" smtClean="0"/>
-              <a:t>the opp</a:t>
+              <a:t>for providing the opp</a:t>
             </a:r>
             <a:r>
               <a:rPr lang="de-CH" sz="1800" dirty="0" smtClean="0"/>
@@ -13938,11 +13976,7 @@
             </a:r>
             <a:r>
               <a:rPr lang="en" sz="1800" dirty="0" smtClean="0"/>
-              <a:t>rtunity to </a:t>
-            </a:r>
-            <a:r>
-              <a:rPr lang="en" sz="1800" dirty="0" smtClean="0"/>
-              <a:t>speak in </a:t>
+              <a:t>rtunity to speak in </a:t>
             </a:r>
             <a:r>
               <a:rPr lang="en" sz="1800" b="1" dirty="0" smtClean="0">
@@ -17123,7 +17157,55 @@
                 <a:cs typeface="Roboto Condensed"/>
                 <a:sym typeface="Roboto Condensed"/>
               </a:rPr>
-              <a:t>nt area of Azure Infrastructure Security </a:t>
+              <a:t>nt </a:t>
+            </a:r>
+            <a:r>
+              <a:rPr lang="en" sz="1000" dirty="0" smtClean="0">
+                <a:solidFill>
+                  <a:schemeClr val="dk2"/>
+                </a:solidFill>
+                <a:latin typeface="Roboto Condensed"/>
+                <a:ea typeface="Roboto Condensed"/>
+                <a:cs typeface="Roboto Condensed"/>
+                <a:sym typeface="Roboto Condensed"/>
+              </a:rPr>
+              <a:t>areas </a:t>
+            </a:r>
+            <a:r>
+              <a:rPr lang="en" sz="1000" dirty="0" smtClean="0">
+                <a:solidFill>
+                  <a:schemeClr val="dk2"/>
+                </a:solidFill>
+                <a:latin typeface="Roboto Condensed"/>
+                <a:ea typeface="Roboto Condensed"/>
+                <a:cs typeface="Roboto Condensed"/>
+                <a:sym typeface="Roboto Condensed"/>
+              </a:rPr>
+              <a:t>of </a:t>
+            </a:r>
+            <a:r>
+              <a:rPr lang="en" sz="1000" dirty="0" smtClean="0">
+                <a:solidFill>
+                  <a:schemeClr val="dk2"/>
+                </a:solidFill>
+                <a:latin typeface="Roboto Condensed"/>
+                <a:ea typeface="Roboto Condensed"/>
+                <a:cs typeface="Roboto Condensed"/>
+                <a:sym typeface="Roboto Condensed"/>
+              </a:rPr>
+              <a:t>Cloud Infrastructure </a:t>
+            </a:r>
+            <a:r>
+              <a:rPr lang="en" sz="1000" dirty="0" smtClean="0">
+                <a:solidFill>
+                  <a:schemeClr val="dk2"/>
+                </a:solidFill>
+                <a:latin typeface="Roboto Condensed"/>
+                <a:ea typeface="Roboto Condensed"/>
+                <a:cs typeface="Roboto Condensed"/>
+                <a:sym typeface="Roboto Condensed"/>
+              </a:rPr>
+              <a:t>Security </a:t>
             </a:r>
             <a:endParaRPr sz="1000" dirty="0">
               <a:solidFill>
@@ -21328,11 +21410,7 @@
             </a:pPr>
             <a:r>
               <a:rPr lang="en-US" sz="1000" dirty="0" smtClean="0"/>
-              <a:t>Example codes </a:t>
-            </a:r>
-            <a:r>
-              <a:rPr lang="en-US" sz="1000" dirty="0" smtClean="0"/>
-              <a:t>follows below:-</a:t>
+              <a:t>Example codes follows below:-</a:t>
             </a:r>
           </a:p>
           <a:p>
@@ -23377,11 +23455,7 @@
             </a:pPr>
             <a:r>
               <a:rPr lang="en-US" sz="1000" dirty="0" smtClean="0"/>
-              <a:t>Example code follows </a:t>
-            </a:r>
-            <a:r>
-              <a:rPr lang="en-US" sz="1000" dirty="0" smtClean="0"/>
-              <a:t>below:-</a:t>
+              <a:t>Example code follows below:-</a:t>
             </a:r>
           </a:p>
           <a:p>
@@ -24184,7 +24258,6 @@
               <a:rPr lang="en-US" sz="1000" dirty="0" smtClean="0"/>
               <a:t>Evaluate each Azure Service as how it can be protected.  </a:t>
             </a:r>
-            <a:endParaRPr lang="en-US" sz="1000" dirty="0" smtClean="0"/>
           </a:p>
           <a:p>
             <a:pPr marL="247650" lvl="0" indent="-171450">
@@ -24210,7 +24283,6 @@
               <a:rPr lang="en-US" sz="1000" dirty="0" smtClean="0"/>
               <a:t>Based on the findings, prepare a Per Service Security Matrix</a:t>
             </a:r>
-            <a:endParaRPr lang="en-US" sz="1000" dirty="0" smtClean="0"/>
           </a:p>
           <a:p>
             <a:pPr marL="247650" lvl="0" indent="-171450">
@@ -24286,7 +24358,6 @@
               <a:rPr lang="en-US" sz="1000" dirty="0" smtClean="0"/>
               <a:t>If it will be implemented by Azure Policy. </a:t>
             </a:r>
-            <a:endParaRPr lang="en-US" sz="1000" dirty="0" smtClean="0"/>
           </a:p>
           <a:p>
             <a:pPr marL="247650" lvl="0" indent="-171450">
